--- a/03/Презентация1.pptx
+++ b/03/Презентация1.pptx
@@ -3054,14 +3054,14 @@
       </p:sp>
       <p:sp>
         <p:nvSpPr>
-          <p:cNvPr id="6" name="Прямоугольник 5"/>
+          <p:cNvPr id="9" name="Прямоугольник 8"/>
           <p:cNvSpPr/>
           <p:nvPr/>
         </p:nvSpPr>
         <p:spPr>
           <a:xfrm>
-            <a:off x="73152" y="1819656"/>
-            <a:ext cx="2084832" cy="802386"/>
+            <a:off x="2157984" y="804672"/>
+            <a:ext cx="2084832" cy="1216188"/>
           </a:xfrm>
           <a:prstGeom prst="rect">
             <a:avLst/>
@@ -3093,78 +3093,21 @@
           <a:bodyPr rtlCol="0" anchor="ctr"/>
           <a:lstStyle/>
           <a:p>
-            <a:pPr algn="ctr"/>
-            <a:r>
-              <a:rPr lang="ru-RU" sz="1200" smtClean="0"/>
-              <a:t>номер байта в памяти с ккоторого начинает лежать переменная</a:t>
-            </a:r>
-            <a:endParaRPr lang="en-US" sz="1200" smtClean="0"/>
-          </a:p>
-          <a:p>
-            <a:pPr algn="ctr"/>
             <a:r>
               <a:rPr lang="en-US" sz="1200" smtClean="0"/>
               <a:t>0x00</a:t>
             </a:r>
             <a:r>
               <a:rPr lang="ru-RU" sz="1200" smtClean="0"/>
-              <a:t>12</a:t>
+              <a:t>00</a:t>
             </a:r>
             <a:r>
               <a:rPr lang="en-US" sz="1200" smtClean="0"/>
-              <a:t>: int A = 255</a:t>
-            </a:r>
-          </a:p>
-        </p:txBody>
-      </p:sp>
-      <p:sp>
-        <p:nvSpPr>
-          <p:cNvPr id="9" name="Прямоугольник 8"/>
-          <p:cNvSpPr/>
-          <p:nvPr/>
-        </p:nvSpPr>
-        <p:spPr>
-          <a:xfrm>
-            <a:off x="2157984" y="1008126"/>
-            <a:ext cx="2084832" cy="811530"/>
-          </a:xfrm>
-          <a:prstGeom prst="rect">
-            <a:avLst/>
-          </a:prstGeom>
-          <a:solidFill>
-            <a:schemeClr val="accent2">
-              <a:lumMod val="60000"/>
-              <a:lumOff val="40000"/>
-            </a:schemeClr>
-          </a:solidFill>
-        </p:spPr>
-        <p:style>
-          <a:lnRef idx="2">
-            <a:schemeClr val="accent1">
-              <a:shade val="50000"/>
-            </a:schemeClr>
-          </a:lnRef>
-          <a:fillRef idx="1">
-            <a:schemeClr val="accent1"/>
-          </a:fillRef>
-          <a:effectRef idx="0">
-            <a:schemeClr val="accent1"/>
-          </a:effectRef>
-          <a:fontRef idx="minor">
-            <a:schemeClr val="lt1"/>
-          </a:fontRef>
-        </p:style>
-        <p:txBody>
-          <a:bodyPr rtlCol="0" anchor="ctr"/>
-          <a:lstStyle/>
-          <a:p>
-            <a:r>
-              <a:rPr lang="en-US" sz="1200" smtClean="0"/>
-              <a:t>0x00</a:t>
+              <a:t>: 0x0A0</a:t>
             </a:r>
             <a:r>
               <a:rPr lang="ru-RU" sz="1200" smtClean="0"/>
-              <a:t>00</a:t>
+              <a:t>0</a:t>
             </a:r>
           </a:p>
           <a:p>
@@ -3172,6 +3115,23 @@
               <a:rPr lang="ru-RU" sz="1200" smtClean="0"/>
               <a:t>0х0004</a:t>
             </a:r>
+            <a:r>
+              <a:rPr lang="en-US" sz="1200" smtClean="0"/>
+              <a:t>: </a:t>
+            </a:r>
+            <a:r>
+              <a:rPr lang="ru-RU" sz="1200" smtClean="0"/>
+              <a:t>0х0</a:t>
+            </a:r>
+            <a:r>
+              <a:rPr lang="en-US" sz="1200" smtClean="0"/>
+              <a:t>A</a:t>
+            </a:r>
+            <a:r>
+              <a:rPr lang="ru-RU" sz="1200" smtClean="0"/>
+              <a:t>04</a:t>
+            </a:r>
+            <a:endParaRPr lang="ru-RU" sz="1200" smtClean="0"/>
           </a:p>
           <a:p>
             <a:r>
@@ -3180,7 +3140,11 @@
             </a:r>
             <a:r>
               <a:rPr lang="en-US" sz="1200" smtClean="0"/>
-              <a:t>: 0x0A00</a:t>
+              <a:t>: </a:t>
+            </a:r>
+            <a:r>
+              <a:rPr lang="en-US" sz="1200" smtClean="0"/>
+              <a:t>0x0A08</a:t>
             </a:r>
             <a:endParaRPr lang="ru-RU" sz="1200" smtClean="0"/>
           </a:p>
@@ -3191,8 +3155,13 @@
             </a:r>
             <a:r>
               <a:rPr lang="en-US" sz="1200" smtClean="0"/>
-              <a:t>: 255</a:t>
-            </a:r>
+              <a:t>: </a:t>
+            </a:r>
+            <a:r>
+              <a:rPr lang="en-US" sz="1200" smtClean="0"/>
+              <a:t>0x0A0C</a:t>
+            </a:r>
+            <a:endParaRPr lang="ru-RU" sz="1200" smtClean="0"/>
           </a:p>
         </p:txBody>
       </p:sp>
@@ -3247,11 +3216,15 @@
             </a:r>
             <a:r>
               <a:rPr lang="en-US" sz="1200" smtClean="0"/>
-              <a:t>: </a:t>
+              <a:t>:</a:t>
+            </a:r>
+            <a:r>
+              <a:rPr lang="ru-RU" sz="1200" smtClean="0"/>
+              <a:t> </a:t>
             </a:r>
             <a:r>
               <a:rPr lang="en-US" sz="1200" smtClean="0"/>
-              <a:t>object</a:t>
+              <a:t>Ebalovo</a:t>
             </a:r>
             <a:endParaRPr lang="ru-RU" sz="1200" smtClean="0"/>
           </a:p>
@@ -3268,6 +3241,11 @@
               <a:rPr lang="ru-RU" sz="1200" smtClean="0"/>
               <a:t>04</a:t>
             </a:r>
+            <a:r>
+              <a:rPr lang="en-US" sz="1200" smtClean="0"/>
+              <a:t>: Huikino</a:t>
+            </a:r>
+            <a:endParaRPr lang="ru-RU" sz="1200" smtClean="0"/>
           </a:p>
           <a:p>
             <a:r>
@@ -3282,6 +3260,11 @@
               <a:rPr lang="ru-RU" sz="1200" smtClean="0"/>
               <a:t>08</a:t>
             </a:r>
+            <a:r>
+              <a:rPr lang="en-US" sz="1200" smtClean="0"/>
+              <a:t>: Pidorovo</a:t>
+            </a:r>
+            <a:endParaRPr lang="ru-RU" sz="1200" smtClean="0"/>
           </a:p>
           <a:p>
             <a:r>
@@ -3299,104 +3282,6 @@
             <a:r>
               <a:rPr lang="en-US" sz="1200" smtClean="0"/>
               <a:t>:</a:t>
-            </a:r>
-          </a:p>
-        </p:txBody>
-      </p:sp>
-      <p:sp>
-        <p:nvSpPr>
-          <p:cNvPr id="11" name="Прямоугольник 10"/>
-          <p:cNvSpPr/>
-          <p:nvPr/>
-        </p:nvSpPr>
-        <p:spPr>
-          <a:xfrm>
-            <a:off x="73152" y="1600200"/>
-            <a:ext cx="2084832" cy="219456"/>
-          </a:xfrm>
-          <a:prstGeom prst="rect">
-            <a:avLst/>
-          </a:prstGeom>
-          <a:solidFill>
-            <a:schemeClr val="accent2">
-              <a:lumMod val="60000"/>
-              <a:lumOff val="40000"/>
-            </a:schemeClr>
-          </a:solidFill>
-        </p:spPr>
-        <p:style>
-          <a:lnRef idx="2">
-            <a:schemeClr val="accent1">
-              <a:shade val="50000"/>
-            </a:schemeClr>
-          </a:lnRef>
-          <a:fillRef idx="1">
-            <a:schemeClr val="accent1"/>
-          </a:fillRef>
-          <a:effectRef idx="0">
-            <a:schemeClr val="accent1"/>
-          </a:effectRef>
-          <a:fontRef idx="minor">
-            <a:schemeClr val="lt1"/>
-          </a:fontRef>
-        </p:style>
-        <p:txBody>
-          <a:bodyPr rtlCol="0" anchor="ctr"/>
-          <a:lstStyle/>
-          <a:p>
-            <a:pPr algn="ctr"/>
-            <a:r>
-              <a:rPr lang="en-US" sz="1200" smtClean="0"/>
-              <a:t>int A = 255</a:t>
-            </a:r>
-          </a:p>
-        </p:txBody>
-      </p:sp>
-      <p:sp>
-        <p:nvSpPr>
-          <p:cNvPr id="12" name="Прямоугольник 11"/>
-          <p:cNvSpPr/>
-          <p:nvPr/>
-        </p:nvSpPr>
-        <p:spPr>
-          <a:xfrm>
-            <a:off x="73152" y="1380744"/>
-            <a:ext cx="2084832" cy="219456"/>
-          </a:xfrm>
-          <a:prstGeom prst="rect">
-            <a:avLst/>
-          </a:prstGeom>
-          <a:solidFill>
-            <a:schemeClr val="accent2">
-              <a:lumMod val="60000"/>
-              <a:lumOff val="40000"/>
-            </a:schemeClr>
-          </a:solidFill>
-        </p:spPr>
-        <p:style>
-          <a:lnRef idx="2">
-            <a:schemeClr val="accent1">
-              <a:shade val="50000"/>
-            </a:schemeClr>
-          </a:lnRef>
-          <a:fillRef idx="1">
-            <a:schemeClr val="accent1"/>
-          </a:fillRef>
-          <a:effectRef idx="0">
-            <a:schemeClr val="accent1"/>
-          </a:effectRef>
-          <a:fontRef idx="minor">
-            <a:schemeClr val="lt1"/>
-          </a:fontRef>
-        </p:style>
-        <p:txBody>
-          <a:bodyPr rtlCol="0" anchor="ctr"/>
-          <a:lstStyle/>
-          <a:p>
-            <a:pPr algn="ctr"/>
-            <a:r>
-              <a:rPr lang="en-US" sz="1200" smtClean="0"/>
-              <a:t>Object O = </a:t>
             </a:r>
           </a:p>
         </p:txBody>
@@ -3412,8 +3297,8 @@
         </p:nvCxnSpPr>
         <p:spPr>
           <a:xfrm>
-            <a:off x="4242816" y="1413891"/>
-            <a:ext cx="2112264" cy="0"/>
+            <a:off x="4242816" y="1412766"/>
+            <a:ext cx="2112264" cy="1125"/>
           </a:xfrm>
           <a:prstGeom prst="straightConnector1">
             <a:avLst/>
@@ -3439,14 +3324,14 @@
       </p:cxnSp>
       <p:cxnSp>
         <p:nvCxnSpPr>
-          <p:cNvPr id="18" name="Прямая со стрелкой 17"/>
+          <p:cNvPr id="21" name="Прямая со стрелкой 20"/>
           <p:cNvCxnSpPr/>
           <p:nvPr/>
         </p:nvCxnSpPr>
         <p:spPr>
-          <a:xfrm flipH="1" flipV="1">
-            <a:off x="3172968" y="1600200"/>
-            <a:ext cx="886968" cy="1444752"/>
+          <a:xfrm flipV="1">
+            <a:off x="2898648" y="2130552"/>
+            <a:ext cx="0" cy="1837944"/>
           </a:xfrm>
           <a:prstGeom prst="straightConnector1">
             <a:avLst/>
@@ -3472,14 +3357,14 @@
       </p:cxnSp>
       <p:sp>
         <p:nvSpPr>
-          <p:cNvPr id="19" name="TextBox 18"/>
+          <p:cNvPr id="23" name="TextBox 22"/>
           <p:cNvSpPr txBox="1"/>
           <p:nvPr/>
         </p:nvSpPr>
         <p:spPr>
           <a:xfrm>
-            <a:off x="3061911" y="3027807"/>
-            <a:ext cx="1930270" cy="461665"/>
+            <a:off x="1933513" y="3968496"/>
+            <a:ext cx="1930270" cy="276999"/>
           </a:xfrm>
           <a:prstGeom prst="rect">
             <a:avLst/>
@@ -3499,79 +3384,7 @@
                   <a:srgbClr val="FF0000"/>
                 </a:solidFill>
               </a:rPr>
-              <a:t>Ссылка на адрес места в куче где лежит этот объект</a:t>
-            </a:r>
-            <a:endParaRPr lang="ru-RU" sz="1200">
-              <a:solidFill>
-                <a:srgbClr val="FF0000"/>
-              </a:solidFill>
-            </a:endParaRPr>
-          </a:p>
-        </p:txBody>
-      </p:sp>
-      <p:cxnSp>
-        <p:nvCxnSpPr>
-          <p:cNvPr id="21" name="Прямая со стрелкой 20"/>
-          <p:cNvCxnSpPr/>
-          <p:nvPr/>
-        </p:nvCxnSpPr>
-        <p:spPr>
-          <a:xfrm flipV="1">
-            <a:off x="2898648" y="1819656"/>
-            <a:ext cx="0" cy="2148840"/>
-          </a:xfrm>
-          <a:prstGeom prst="straightConnector1">
-            <a:avLst/>
-          </a:prstGeom>
-          <a:ln>
-            <a:tailEnd type="triangle"/>
-          </a:ln>
-        </p:spPr>
-        <p:style>
-          <a:lnRef idx="1">
-            <a:schemeClr val="accent2"/>
-          </a:lnRef>
-          <a:fillRef idx="0">
-            <a:schemeClr val="accent2"/>
-          </a:fillRef>
-          <a:effectRef idx="0">
-            <a:schemeClr val="accent2"/>
-          </a:effectRef>
-          <a:fontRef idx="minor">
-            <a:schemeClr val="tx1"/>
-          </a:fontRef>
-        </p:style>
-      </p:cxnSp>
-      <p:sp>
-        <p:nvSpPr>
-          <p:cNvPr id="23" name="TextBox 22"/>
-          <p:cNvSpPr txBox="1"/>
-          <p:nvPr/>
-        </p:nvSpPr>
-        <p:spPr>
-          <a:xfrm>
-            <a:off x="1933513" y="3968496"/>
-            <a:ext cx="1930270" cy="461665"/>
-          </a:xfrm>
-          <a:prstGeom prst="rect">
-            <a:avLst/>
-          </a:prstGeom>
-          <a:noFill/>
-        </p:spPr>
-        <p:txBody>
-          <a:bodyPr wrap="square" rtlCol="0">
-            <a:spAutoFit/>
-          </a:bodyPr>
-          <a:lstStyle/>
-          <a:p>
-            <a:pPr algn="ctr"/>
-            <a:r>
-              <a:rPr lang="ru-RU" sz="1200" smtClean="0">
-                <a:solidFill>
-                  <a:srgbClr val="FF0000"/>
-                </a:solidFill>
-              </a:rPr>
-              <a:t>Память в  стаке уже забита за этой переменной</a:t>
+              <a:t>Массив занимает 12 байт</a:t>
             </a:r>
             <a:endParaRPr lang="ru-RU" sz="1200">
               <a:solidFill>
